--- a/14_Switch.pptx
+++ b/14_Switch.pptx
@@ -3459,7 +3459,7 @@
                   <a:srgbClr val="FFFF00"/>
                 </a:solidFill>
               </a:rPr>
-              <a:t>14 Switch Statement</a:t>
+              <a:t>15 Calculator</a:t>
             </a:r>
             <a:endParaRPr lang="zh-TW" altLang="en-US" sz="4800" b="1" dirty="0">
               <a:solidFill>
@@ -3674,7 +3674,7 @@
                   <a:srgbClr val="FFFF00"/>
                 </a:solidFill>
               </a:rPr>
-              <a:t>14 Switch Statement</a:t>
+              <a:t>15 Calculator</a:t>
             </a:r>
             <a:endParaRPr lang="zh-TW" altLang="en-US" b="1" dirty="0">
               <a:solidFill>
@@ -3719,13 +3719,18 @@
               <a:buChar char="u"/>
             </a:pPr>
             <a:r>
-              <a:rPr lang="en-US" sz="1800" b="1" dirty="0">
+              <a:rPr lang="en-US" sz="1800" b="1">
                 <a:solidFill>
                   <a:schemeClr val="tx1"/>
                 </a:solidFill>
               </a:rPr>
-              <a:t>Switch Statement</a:t>
-            </a:r>
+              <a:t>Calculator</a:t>
+            </a:r>
+            <a:endParaRPr lang="en-US" sz="1800" b="1" dirty="0">
+              <a:solidFill>
+                <a:schemeClr val="tx1"/>
+              </a:solidFill>
+            </a:endParaRPr>
           </a:p>
         </p:txBody>
       </p:sp>
@@ -3782,7 +3787,7 @@
               <a:rPr lang="en-US" sz="1600" dirty="0">
                 <a:hlinkClick r:id="rId2"/>
               </a:rPr>
-              <a:t>https://www.youtube.com/watch?v=91nge6hHAq8&amp;list=PL0eyrZgxdwhwBToawjm9faF1ixePexft-&amp;index=14</a:t>
+              <a:t>https://www.youtube.com/watch?v=d6dnCQS8DCk&amp;list=PL0eyrZgxdwhwBToawjm9faF1ixePexft-&amp;index=15</a:t>
             </a:r>
             <a:endParaRPr lang="en-US" sz="1600" b="1" i="1" dirty="0"/>
           </a:p>
@@ -3902,7 +3907,7 @@
                   <a:srgbClr val="FFFF00"/>
                 </a:solidFill>
               </a:rPr>
-              <a:t>14.1 Code</a:t>
+              <a:t>15.1 Code</a:t>
             </a:r>
             <a:endParaRPr lang="zh-TW" altLang="en-US" sz="4800" b="1" dirty="0">
               <a:solidFill>
@@ -4092,7 +4097,7 @@
                   <a:srgbClr val="FFFF00"/>
                 </a:solidFill>
               </a:rPr>
-              <a:t>14</a:t>
+              <a:t>15</a:t>
             </a:r>
             <a:r>
               <a:rPr lang="en-US" altLang="zh-TW" sz="4400" b="1" dirty="0">
@@ -4208,7 +4213,7 @@
               <a:rPr lang="en-US" sz="1600" dirty="0">
                 <a:hlinkClick r:id="rId2"/>
               </a:rPr>
-              <a:t>https://www.youtube.com/watch?v=91nge6hHAq8&amp;list=PL0eyrZgxdwhwBToawjm9faF1ixePexft-&amp;index=14</a:t>
+              <a:t>https://www.youtube.com/watch?v=d6dnCQS8DCk&amp;list=PL0eyrZgxdwhwBToawjm9faF1ixePexft-&amp;index=15</a:t>
             </a:r>
             <a:endParaRPr lang="en-US" sz="1600" b="1" i="1" dirty="0"/>
           </a:p>
@@ -4363,7 +4368,7 @@
                   <a:srgbClr val="FFFF00"/>
                 </a:solidFill>
               </a:rPr>
-              <a:t>14.2 Verify</a:t>
+              <a:t>15.2 Verify</a:t>
             </a:r>
             <a:endParaRPr lang="zh-TW" altLang="en-US" sz="4800" b="1" dirty="0">
               <a:solidFill>
@@ -4553,7 +4558,7 @@
                   <a:srgbClr val="FFFF00"/>
                 </a:solidFill>
               </a:rPr>
-              <a:t>14.2 Verify</a:t>
+              <a:t>15.2 Verify</a:t>
             </a:r>
             <a:endParaRPr lang="zh-TW" altLang="en-US" b="1" dirty="0">
               <a:solidFill>
@@ -4661,7 +4666,7 @@
               <a:rPr lang="en-US" sz="1600" dirty="0">
                 <a:hlinkClick r:id="rId2"/>
               </a:rPr>
-              <a:t>https://www.youtube.com/watch?v=91nge6hHAq8&amp;list=PL0eyrZgxdwhwBToawjm9faF1ixePexft-&amp;index=14</a:t>
+              <a:t>https://www.youtube.com/watch?v=d6dnCQS8DCk&amp;list=PL0eyrZgxdwhwBToawjm9faF1ixePexft-&amp;index=15</a:t>
             </a:r>
             <a:endParaRPr lang="en-US" sz="1600" b="1" i="1" dirty="0"/>
           </a:p>
@@ -4783,6 +4788,11 @@
           <a:prstGeom prst="rect">
             <a:avLst/>
           </a:prstGeom>
+          <a:ln>
+            <a:solidFill>
+              <a:srgbClr val="C00000"/>
+            </a:solidFill>
+          </a:ln>
         </p:spPr>
       </p:pic>
     </p:spTree>
